--- a/발표자료/2017bizcon-발표자료.pptx
+++ b/발표자료/2017bizcon-발표자료.pptx
@@ -112,7 +112,16 @@
       </a:defRPr>
     </a:lvl9pPr>
   </p:defaultTextStyle>
+  <p:extLst>
+    <p:ext uri="{EFAFB233-063F-42B5-8137-9DF3F51BA10A}">
+      <p15:sldGuideLst xmlns:p15="http://schemas.microsoft.com/office/powerpoint/2012/main"/>
+    </p:ext>
+  </p:extLst>
 </p:presentation>
+</file>
+
+<file path=ppt/revisionInfo.xml><?xml version="1.0" encoding="utf-8"?>
+<p1510:revInfo xmlns:a="http://schemas.openxmlformats.org/drawingml/2006/main" xmlns:r="http://schemas.openxmlformats.org/officeDocument/2006/relationships" xmlns:p1510="http://schemas.microsoft.com/office/powerpoint/2015/10/main"/>
 </file>
 
 <file path=ppt/slideLayouts/slideLayout1.xml><?xml version="1.0" encoding="utf-8"?>
@@ -244,7 +253,7 @@
           <a:p>
             <a:fld id="{32BEAA4E-B750-42A5-9566-3F0D78555243}" type="datetimeFigureOut">
               <a:rPr lang="ko-KR" altLang="en-US" smtClean="0"/>
-              <a:t>2017-05-22</a:t>
+              <a:t>2017-05-25</a:t>
             </a:fld>
             <a:endParaRPr lang="ko-KR" altLang="en-US"/>
           </a:p>
@@ -412,7 +421,7 @@
           <a:p>
             <a:fld id="{32BEAA4E-B750-42A5-9566-3F0D78555243}" type="datetimeFigureOut">
               <a:rPr lang="ko-KR" altLang="en-US" smtClean="0"/>
-              <a:t>2017-05-22</a:t>
+              <a:t>2017-05-25</a:t>
             </a:fld>
             <a:endParaRPr lang="ko-KR" altLang="en-US"/>
           </a:p>
@@ -590,7 +599,7 @@
           <a:p>
             <a:fld id="{32BEAA4E-B750-42A5-9566-3F0D78555243}" type="datetimeFigureOut">
               <a:rPr lang="ko-KR" altLang="en-US" smtClean="0"/>
-              <a:t>2017-05-22</a:t>
+              <a:t>2017-05-25</a:t>
             </a:fld>
             <a:endParaRPr lang="ko-KR" altLang="en-US"/>
           </a:p>
@@ -758,7 +767,7 @@
           <a:p>
             <a:fld id="{32BEAA4E-B750-42A5-9566-3F0D78555243}" type="datetimeFigureOut">
               <a:rPr lang="ko-KR" altLang="en-US" smtClean="0"/>
-              <a:t>2017-05-22</a:t>
+              <a:t>2017-05-25</a:t>
             </a:fld>
             <a:endParaRPr lang="ko-KR" altLang="en-US"/>
           </a:p>
@@ -1003,7 +1012,7 @@
           <a:p>
             <a:fld id="{32BEAA4E-B750-42A5-9566-3F0D78555243}" type="datetimeFigureOut">
               <a:rPr lang="ko-KR" altLang="en-US" smtClean="0"/>
-              <a:t>2017-05-22</a:t>
+              <a:t>2017-05-25</a:t>
             </a:fld>
             <a:endParaRPr lang="ko-KR" altLang="en-US"/>
           </a:p>
@@ -1232,7 +1241,7 @@
           <a:p>
             <a:fld id="{32BEAA4E-B750-42A5-9566-3F0D78555243}" type="datetimeFigureOut">
               <a:rPr lang="ko-KR" altLang="en-US" smtClean="0"/>
-              <a:t>2017-05-22</a:t>
+              <a:t>2017-05-25</a:t>
             </a:fld>
             <a:endParaRPr lang="ko-KR" altLang="en-US"/>
           </a:p>
@@ -1596,7 +1605,7 @@
           <a:p>
             <a:fld id="{32BEAA4E-B750-42A5-9566-3F0D78555243}" type="datetimeFigureOut">
               <a:rPr lang="ko-KR" altLang="en-US" smtClean="0"/>
-              <a:t>2017-05-22</a:t>
+              <a:t>2017-05-25</a:t>
             </a:fld>
             <a:endParaRPr lang="ko-KR" altLang="en-US"/>
           </a:p>
@@ -1713,7 +1722,7 @@
           <a:p>
             <a:fld id="{32BEAA4E-B750-42A5-9566-3F0D78555243}" type="datetimeFigureOut">
               <a:rPr lang="ko-KR" altLang="en-US" smtClean="0"/>
-              <a:t>2017-05-22</a:t>
+              <a:t>2017-05-25</a:t>
             </a:fld>
             <a:endParaRPr lang="ko-KR" altLang="en-US"/>
           </a:p>
@@ -1808,7 +1817,7 @@
           <a:p>
             <a:fld id="{32BEAA4E-B750-42A5-9566-3F0D78555243}" type="datetimeFigureOut">
               <a:rPr lang="ko-KR" altLang="en-US" smtClean="0"/>
-              <a:t>2017-05-22</a:t>
+              <a:t>2017-05-25</a:t>
             </a:fld>
             <a:endParaRPr lang="ko-KR" altLang="en-US"/>
           </a:p>
@@ -2083,7 +2092,7 @@
           <a:p>
             <a:fld id="{32BEAA4E-B750-42A5-9566-3F0D78555243}" type="datetimeFigureOut">
               <a:rPr lang="ko-KR" altLang="en-US" smtClean="0"/>
-              <a:t>2017-05-22</a:t>
+              <a:t>2017-05-25</a:t>
             </a:fld>
             <a:endParaRPr lang="ko-KR" altLang="en-US"/>
           </a:p>
@@ -2335,7 +2344,7 @@
           <a:p>
             <a:fld id="{32BEAA4E-B750-42A5-9566-3F0D78555243}" type="datetimeFigureOut">
               <a:rPr lang="ko-KR" altLang="en-US" smtClean="0"/>
-              <a:t>2017-05-22</a:t>
+              <a:t>2017-05-25</a:t>
             </a:fld>
             <a:endParaRPr lang="ko-KR" altLang="en-US"/>
           </a:p>
@@ -2546,7 +2555,7 @@
           <a:p>
             <a:fld id="{32BEAA4E-B750-42A5-9566-3F0D78555243}" type="datetimeFigureOut">
               <a:rPr lang="ko-KR" altLang="en-US" smtClean="0"/>
-              <a:t>2017-05-22</a:t>
+              <a:t>2017-05-25</a:t>
             </a:fld>
             <a:endParaRPr lang="ko-KR" altLang="en-US"/>
           </a:p>
@@ -8378,7 +8387,7 @@
         <p:spPr>
           <a:xfrm>
             <a:off x="2071303" y="188687"/>
-            <a:ext cx="3983783" cy="461665"/>
+            <a:ext cx="2408032" cy="461665"/>
           </a:xfrm>
           <a:prstGeom prst="rect">
             <a:avLst/>
@@ -8399,69 +8408,26 @@
               <a:t>동작방식 </a:t>
             </a:r>
             <a:r>
-              <a:rPr lang="en-US" altLang="ko-KR" sz="2400" b="1" dirty="0">
+              <a:rPr lang="en-US" altLang="ko-KR" sz="2400" b="1">
                 <a:latin typeface="나눔고딕" panose="020D0604000000000000" pitchFamily="50" charset="-127"/>
                 <a:ea typeface="나눔고딕" panose="020D0604000000000000" pitchFamily="50" charset="-127"/>
               </a:rPr>
               <a:t>– </a:t>
             </a:r>
             <a:r>
-              <a:rPr lang="ko-KR" altLang="en-US" sz="2400" b="1" dirty="0">
+              <a:rPr lang="ko-KR" altLang="en-US" sz="2400" b="1">
                 <a:latin typeface="나눔고딕" panose="020D0604000000000000" pitchFamily="50" charset="-127"/>
                 <a:ea typeface="나눔고딕" panose="020D0604000000000000" pitchFamily="50" charset="-127"/>
               </a:rPr>
-              <a:t>영상 </a:t>
-            </a:r>
-            <a:r>
-              <a:rPr lang="en-US" altLang="ko-KR" sz="2400" b="1" dirty="0">
-                <a:latin typeface="나눔고딕" panose="020D0604000000000000" pitchFamily="50" charset="-127"/>
-                <a:ea typeface="나눔고딕" panose="020D0604000000000000" pitchFamily="50" charset="-127"/>
-              </a:rPr>
-              <a:t>- </a:t>
-            </a:r>
-            <a:r>
-              <a:rPr lang="ko-KR" altLang="en-US" sz="2400" b="1" dirty="0">
-                <a:latin typeface="나눔고딕" panose="020D0604000000000000" pitchFamily="50" charset="-127"/>
-                <a:ea typeface="나눔고딕" panose="020D0604000000000000" pitchFamily="50" charset="-127"/>
-              </a:rPr>
-              <a:t>수정필요</a:t>
-            </a:r>
-          </a:p>
-        </p:txBody>
-      </p:sp>
-      <p:pic>
-        <p:nvPicPr>
-          <p:cNvPr id="2" name="44">
-            <a:hlinkClick r:id="" action="ppaction://media"/>
-          </p:cNvPr>
-          <p:cNvPicPr>
-            <a:picLocks noChangeAspect="1"/>
-          </p:cNvPicPr>
-          <p:nvPr>
-            <a:videoFile r:link="rId2"/>
-            <p:extLst>
-              <p:ext uri="{DAA4B4D4-6D71-4841-9C94-3DE7FCFB9230}">
-                <p14:media xmlns:p14="http://schemas.microsoft.com/office/powerpoint/2010/main" r:embed="rId1"/>
-              </p:ext>
-            </p:extLst>
-          </p:nvPr>
-        </p:nvPicPr>
-        <p:blipFill>
-          <a:blip r:embed="rId4"/>
-          <a:stretch>
-            <a:fillRect/>
-          </a:stretch>
-        </p:blipFill>
-        <p:spPr>
-          <a:xfrm>
-            <a:off x="1021080" y="1015999"/>
-            <a:ext cx="10873740" cy="5227324"/>
-          </a:xfrm>
-          <a:prstGeom prst="rect">
-            <a:avLst/>
-          </a:prstGeom>
-        </p:spPr>
-      </p:pic>
+              <a:t>영상</a:t>
+            </a:r>
+            <a:endParaRPr lang="ko-KR" altLang="en-US" sz="2400" b="1" dirty="0">
+              <a:latin typeface="나눔고딕" panose="020D0604000000000000" pitchFamily="50" charset="-127"/>
+              <a:ea typeface="나눔고딕" panose="020D0604000000000000" pitchFamily="50" charset="-127"/>
+            </a:endParaRPr>
+          </a:p>
+        </p:txBody>
+      </p:sp>
     </p:spTree>
     <p:extLst>
       <p:ext uri="{BB962C8B-B14F-4D97-AF65-F5344CB8AC3E}">
@@ -8480,86 +8446,6 @@
       <p:transition/>
     </mc:Fallback>
   </mc:AlternateContent>
-  <p:timing>
-    <p:tnLst>
-      <p:par>
-        <p:cTn id="1" dur="indefinite" restart="never" nodeType="tmRoot">
-          <p:childTnLst>
-            <p:seq concurrent="1" nextAc="seek">
-              <p:cTn id="2" restart="whenNotActive" fill="hold" evtFilter="cancelBubble" nodeType="interactiveSeq">
-                <p:stCondLst>
-                  <p:cond evt="onClick" delay="0">
-                    <p:tgtEl>
-                      <p:spTgt spid="2"/>
-                    </p:tgtEl>
-                  </p:cond>
-                </p:stCondLst>
-                <p:endSync evt="end" delay="0">
-                  <p:rtn val="all"/>
-                </p:endSync>
-                <p:childTnLst>
-                  <p:par>
-                    <p:cTn id="3" fill="hold">
-                      <p:stCondLst>
-                        <p:cond delay="0"/>
-                      </p:stCondLst>
-                      <p:childTnLst>
-                        <p:par>
-                          <p:cTn id="4" fill="hold">
-                            <p:stCondLst>
-                              <p:cond delay="0"/>
-                            </p:stCondLst>
-                            <p:childTnLst>
-                              <p:par>
-                                <p:cTn id="5" presetID="1" presetClass="mediacall" presetSubtype="0" fill="hold" nodeType="clickEffect">
-                                  <p:stCondLst>
-                                    <p:cond delay="0"/>
-                                  </p:stCondLst>
-                                  <p:childTnLst>
-                                    <p:cmd type="call" cmd="playFrom(0.0)">
-                                      <p:cBhvr>
-                                        <p:cTn id="6" dur="3700" fill="hold"/>
-                                        <p:tgtEl>
-                                          <p:spTgt spid="2"/>
-                                        </p:tgtEl>
-                                      </p:cBhvr>
-                                    </p:cmd>
-                                  </p:childTnLst>
-                                </p:cTn>
-                              </p:par>
-                            </p:childTnLst>
-                          </p:cTn>
-                        </p:par>
-                      </p:childTnLst>
-                    </p:cTn>
-                  </p:par>
-                </p:childTnLst>
-              </p:cTn>
-              <p:nextCondLst>
-                <p:cond evt="onClick" delay="0">
-                  <p:tgtEl>
-                    <p:spTgt spid="2"/>
-                  </p:tgtEl>
-                </p:cond>
-              </p:nextCondLst>
-            </p:seq>
-            <p:video>
-              <p:cMediaNode vol="80000">
-                <p:cTn id="7" fill="hold" display="0">
-                  <p:stCondLst>
-                    <p:cond delay="indefinite"/>
-                  </p:stCondLst>
-                </p:cTn>
-                <p:tgtEl>
-                  <p:spTgt spid="2"/>
-                </p:tgtEl>
-              </p:cMediaNode>
-            </p:video>
-          </p:childTnLst>
-        </p:cTn>
-      </p:par>
-    </p:tnLst>
-  </p:timing>
 </p:sld>
 </file>
 
